--- a/Lab 11/Lab 11 bài giảng.pptx
+++ b/Lab 11/Lab 11 bài giảng.pptx
@@ -196,6 +196,35 @@
     </p:ext>
   </p:extLst>
 </p:presentation>
+</file>
+
+<file path=ppt/changesInfos/changesInfo1.xml><?xml version="1.0" encoding="utf-8"?>
+<pc:chgInfo xmlns:a="http://schemas.openxmlformats.org/drawingml/2006/main" xmlns:r="http://schemas.openxmlformats.org/officeDocument/2006/relationships" xmlns:ac="http://schemas.microsoft.com/office/drawing/2013/main/command" xmlns:pc="http://schemas.microsoft.com/office/powerpoint/2013/main/command">
+  <pc:docChgLst>
+    <pc:chgData name="Hang Anh Le" userId="afddc9ce3bd7fde8" providerId="LiveId" clId="{21279385-BCED-44FB-8489-4EBF524794FE}"/>
+    <pc:docChg chg="undo custSel modSld">
+      <pc:chgData name="Hang Anh Le" userId="afddc9ce3bd7fde8" providerId="LiveId" clId="{21279385-BCED-44FB-8489-4EBF524794FE}" dt="2024-06-01T02:12:11.032" v="1" actId="1076"/>
+      <pc:docMkLst>
+        <pc:docMk/>
+      </pc:docMkLst>
+      <pc:sldChg chg="modSp mod">
+        <pc:chgData name="Hang Anh Le" userId="afddc9ce3bd7fde8" providerId="LiveId" clId="{21279385-BCED-44FB-8489-4EBF524794FE}" dt="2024-06-01T02:12:11.032" v="1" actId="1076"/>
+        <pc:sldMkLst>
+          <pc:docMk/>
+          <pc:sldMk cId="144808100" sldId="330"/>
+        </pc:sldMkLst>
+        <pc:spChg chg="mod">
+          <ac:chgData name="Hang Anh Le" userId="afddc9ce3bd7fde8" providerId="LiveId" clId="{21279385-BCED-44FB-8489-4EBF524794FE}" dt="2024-06-01T02:12:11.032" v="1" actId="1076"/>
+          <ac:spMkLst>
+            <pc:docMk/>
+            <pc:sldMk cId="144808100" sldId="330"/>
+            <ac:spMk id="3" creationId="{00000000-0000-0000-0000-000000000000}"/>
+          </ac:spMkLst>
+        </pc:spChg>
+      </pc:sldChg>
+    </pc:docChg>
+  </pc:docChgLst>
+</pc:chgInfo>
 </file>
 
 <file path=ppt/handoutMasters/handoutMaster1.xml><?xml version="1.0" encoding="utf-8"?>
@@ -9515,42 +9544,48 @@
           <p:nvPr>
             <p:extLst>
               <p:ext uri="{D42A27DB-BD31-4B8C-83A1-F6EECF244321}">
-                <p14:modId xmlns:p14="http://schemas.microsoft.com/office/powerpoint/2010/main" val="122656862"/>
+                <p14:modId xmlns:p14="http://schemas.microsoft.com/office/powerpoint/2010/main" val="1794162619"/>
               </p:ext>
             </p:extLst>
           </p:nvPr>
         </p:nvGraphicFramePr>
         <p:xfrm>
-          <a:off x="457200" y="4577434"/>
-          <a:ext cx="1066800" cy="1321376"/>
+          <a:off x="606425" y="4764088"/>
+          <a:ext cx="768350" cy="946150"/>
         </p:xfrm>
         <a:graphic>
           <a:graphicData uri="http://schemas.openxmlformats.org/presentationml/2006/ole">
             <mc:AlternateContent xmlns:mc="http://schemas.openxmlformats.org/markup-compatibility/2006">
               <mc:Choice xmlns:v="urn:schemas-microsoft-com:vml" Requires="v">
-                <p:oleObj spid="_x0000_s6159" name="Packager Shell Object" showAsIcon="1" r:id="rId3" imgW="418971" imgH="519199" progId="Package">
+                <p:oleObj name="Packager Shell Object" showAsIcon="1" r:id="rId2" imgW="300960" imgH="372240" progId="Package">
                   <p:embed/>
                 </p:oleObj>
               </mc:Choice>
               <mc:Fallback>
-                <p:oleObj name="Packager Shell Object" showAsIcon="1" r:id="rId3" imgW="418971" imgH="519199" progId="Package">
+                <p:oleObj name="Packager Shell Object" showAsIcon="1" r:id="rId2" imgW="300960" imgH="372240" progId="Package">
                   <p:embed/>
                   <p:pic>
                     <p:nvPicPr>
-                      <p:cNvPr id="0" name=""/>
+                      <p:cNvPr id="8" name="Object 7">
+                        <a:extLst>
+                          <a:ext uri="{FF2B5EF4-FFF2-40B4-BE49-F238E27FC236}">
+                            <a16:creationId xmlns:a16="http://schemas.microsoft.com/office/drawing/2014/main" id="{090BB337-FBE8-4534-9416-2CDF438356C6}"/>
+                          </a:ext>
+                        </a:extLst>
+                      </p:cNvPr>
                       <p:cNvPicPr/>
                       <p:nvPr/>
                     </p:nvPicPr>
                     <p:blipFill>
-                      <a:blip r:embed="rId4"/>
+                      <a:blip r:embed="rId3"/>
                       <a:stretch>
                         <a:fillRect/>
                       </a:stretch>
                     </p:blipFill>
                     <p:spPr>
                       <a:xfrm>
-                        <a:off x="457200" y="4577434"/>
-                        <a:ext cx="1066800" cy="1321376"/>
+                        <a:off x="606425" y="4764088"/>
+                        <a:ext cx="768350" cy="946150"/>
                       </a:xfrm>
                       <a:prstGeom prst="rect">
                         <a:avLst/>
@@ -10281,42 +10316,48 @@
           <p:nvPr>
             <p:extLst>
               <p:ext uri="{D42A27DB-BD31-4B8C-83A1-F6EECF244321}">
-                <p14:modId xmlns:p14="http://schemas.microsoft.com/office/powerpoint/2010/main" val="886618182"/>
+                <p14:modId xmlns:p14="http://schemas.microsoft.com/office/powerpoint/2010/main" val="2868204908"/>
               </p:ext>
             </p:extLst>
           </p:nvPr>
         </p:nvGraphicFramePr>
         <p:xfrm>
-          <a:off x="10591800" y="3276600"/>
-          <a:ext cx="1134190" cy="989012"/>
+          <a:off x="10752138" y="3416300"/>
+          <a:ext cx="812800" cy="708025"/>
         </p:xfrm>
         <a:graphic>
           <a:graphicData uri="http://schemas.openxmlformats.org/presentationml/2006/ole">
             <mc:AlternateContent xmlns:mc="http://schemas.openxmlformats.org/markup-compatibility/2006">
               <mc:Choice xmlns:v="urn:schemas-microsoft-com:vml" Requires="v">
-                <p:oleObj spid="_x0000_s7194" name="Packager Shell Object" showAsIcon="1" r:id="rId3" imgW="595380" imgH="519199" progId="Package">
+                <p:oleObj name="Packager Shell Object" showAsIcon="1" r:id="rId2" imgW="427680" imgH="372240" progId="Package">
                   <p:embed/>
                 </p:oleObj>
               </mc:Choice>
               <mc:Fallback>
-                <p:oleObj name="Packager Shell Object" showAsIcon="1" r:id="rId3" imgW="595380" imgH="519199" progId="Package">
+                <p:oleObj name="Packager Shell Object" showAsIcon="1" r:id="rId2" imgW="427680" imgH="372240" progId="Package">
                   <p:embed/>
                   <p:pic>
                     <p:nvPicPr>
-                      <p:cNvPr id="0" name=""/>
+                      <p:cNvPr id="7" name="Object 6">
+                        <a:extLst>
+                          <a:ext uri="{FF2B5EF4-FFF2-40B4-BE49-F238E27FC236}">
+                            <a16:creationId xmlns:a16="http://schemas.microsoft.com/office/drawing/2014/main" id="{6755A61B-0A06-45C8-882D-46209CB4B65B}"/>
+                          </a:ext>
+                        </a:extLst>
+                      </p:cNvPr>
                       <p:cNvPicPr/>
                       <p:nvPr/>
                     </p:nvPicPr>
                     <p:blipFill>
-                      <a:blip r:embed="rId4"/>
+                      <a:blip r:embed="rId3"/>
                       <a:stretch>
                         <a:fillRect/>
                       </a:stretch>
                     </p:blipFill>
                     <p:spPr>
                       <a:xfrm>
-                        <a:off x="10591800" y="3276600"/>
-                        <a:ext cx="1134190" cy="989012"/>
+                        <a:off x="10752138" y="3416300"/>
+                        <a:ext cx="812800" cy="708025"/>
                       </a:xfrm>
                       <a:prstGeom prst="rect">
                         <a:avLst/>
@@ -10344,42 +10385,48 @@
           <p:nvPr>
             <p:extLst>
               <p:ext uri="{D42A27DB-BD31-4B8C-83A1-F6EECF244321}">
-                <p14:modId xmlns:p14="http://schemas.microsoft.com/office/powerpoint/2010/main" val="3820503506"/>
+                <p14:modId xmlns:p14="http://schemas.microsoft.com/office/powerpoint/2010/main" val="185143195"/>
               </p:ext>
             </p:extLst>
           </p:nvPr>
         </p:nvGraphicFramePr>
         <p:xfrm>
-          <a:off x="10497914" y="5077641"/>
-          <a:ext cx="1321961" cy="993751"/>
+          <a:off x="10683875" y="5219700"/>
+          <a:ext cx="949325" cy="709613"/>
         </p:xfrm>
         <a:graphic>
           <a:graphicData uri="http://schemas.openxmlformats.org/presentationml/2006/ole">
             <mc:AlternateContent xmlns:mc="http://schemas.openxmlformats.org/markup-compatibility/2006">
               <mc:Choice xmlns:v="urn:schemas-microsoft-com:vml" Requires="v">
-                <p:oleObj spid="_x0000_s7195" name="Packager Shell Object" showAsIcon="1" r:id="rId5" imgW="690601" imgH="519199" progId="Package">
+                <p:oleObj name="Packager Shell Object" showAsIcon="1" r:id="rId4" imgW="496080" imgH="372240" progId="Package">
                   <p:embed/>
                 </p:oleObj>
               </mc:Choice>
               <mc:Fallback>
-                <p:oleObj name="Packager Shell Object" showAsIcon="1" r:id="rId5" imgW="690601" imgH="519199" progId="Package">
+                <p:oleObj name="Packager Shell Object" showAsIcon="1" r:id="rId4" imgW="496080" imgH="372240" progId="Package">
                   <p:embed/>
                   <p:pic>
                     <p:nvPicPr>
-                      <p:cNvPr id="0" name=""/>
+                      <p:cNvPr id="8" name="Object 7">
+                        <a:extLst>
+                          <a:ext uri="{FF2B5EF4-FFF2-40B4-BE49-F238E27FC236}">
+                            <a16:creationId xmlns:a16="http://schemas.microsoft.com/office/drawing/2014/main" id="{6D7A14F6-65BF-4884-BF7A-5500CD9D6F64}"/>
+                          </a:ext>
+                        </a:extLst>
+                      </p:cNvPr>
                       <p:cNvPicPr/>
                       <p:nvPr/>
                     </p:nvPicPr>
                     <p:blipFill>
-                      <a:blip r:embed="rId6"/>
+                      <a:blip r:embed="rId5"/>
                       <a:stretch>
                         <a:fillRect/>
                       </a:stretch>
                     </p:blipFill>
                     <p:spPr>
                       <a:xfrm>
-                        <a:off x="10497914" y="5077641"/>
-                        <a:ext cx="1321961" cy="993751"/>
+                        <a:off x="10683875" y="5219700"/>
+                        <a:ext cx="949325" cy="709613"/>
                       </a:xfrm>
                       <a:prstGeom prst="rect">
                         <a:avLst/>
@@ -11039,21 +11086,27 @@
           <a:graphicData uri="http://schemas.openxmlformats.org/presentationml/2006/ole">
             <mc:AlternateContent xmlns:mc="http://schemas.openxmlformats.org/markup-compatibility/2006">
               <mc:Choice xmlns:v="urn:schemas-microsoft-com:vml" Requires="v">
-                <p:oleObj spid="_x0000_s8206" name="Packager Shell Object" showAsIcon="1" r:id="rId3" imgW="719167" imgH="519199" progId="Package">
+                <p:oleObj name="Packager Shell Object" showAsIcon="1" r:id="rId2" imgW="719167" imgH="519199" progId="Package">
                   <p:embed/>
                 </p:oleObj>
               </mc:Choice>
               <mc:Fallback>
-                <p:oleObj name="Packager Shell Object" showAsIcon="1" r:id="rId3" imgW="719167" imgH="519199" progId="Package">
+                <p:oleObj name="Packager Shell Object" showAsIcon="1" r:id="rId2" imgW="719167" imgH="519199" progId="Package">
                   <p:embed/>
                   <p:pic>
                     <p:nvPicPr>
-                      <p:cNvPr id="0" name=""/>
+                      <p:cNvPr id="7" name="Object 6">
+                        <a:extLst>
+                          <a:ext uri="{FF2B5EF4-FFF2-40B4-BE49-F238E27FC236}">
+                            <a16:creationId xmlns:a16="http://schemas.microsoft.com/office/drawing/2014/main" id="{A5D457D6-6BF9-47F8-9852-CCC7657F224F}"/>
+                          </a:ext>
+                        </a:extLst>
+                      </p:cNvPr>
                       <p:cNvPicPr/>
                       <p:nvPr/>
                     </p:nvPicPr>
                     <p:blipFill>
-                      <a:blip r:embed="rId4"/>
+                      <a:blip r:embed="rId3"/>
                       <a:stretch>
                         <a:fillRect/>
                       </a:stretch>
@@ -14893,21 +14946,27 @@
           <a:graphicData uri="http://schemas.openxmlformats.org/presentationml/2006/ole">
             <mc:AlternateContent xmlns:mc="http://schemas.openxmlformats.org/markup-compatibility/2006">
               <mc:Choice xmlns:v="urn:schemas-microsoft-com:vml" Requires="v">
-                <p:oleObj spid="_x0000_s5245" name="Packager Shell Object" showAsIcon="1" r:id="rId3" imgW="485626" imgH="519199" progId="Package">
+                <p:oleObj name="Packager Shell Object" showAsIcon="1" r:id="rId2" imgW="485626" imgH="519199" progId="Package">
                   <p:embed/>
                 </p:oleObj>
               </mc:Choice>
               <mc:Fallback>
-                <p:oleObj name="Packager Shell Object" showAsIcon="1" r:id="rId3" imgW="485626" imgH="519199" progId="Package">
+                <p:oleObj name="Packager Shell Object" showAsIcon="1" r:id="rId2" imgW="485626" imgH="519199" progId="Package">
                   <p:embed/>
                   <p:pic>
                     <p:nvPicPr>
-                      <p:cNvPr id="0" name=""/>
+                      <p:cNvPr id="7" name="Object 6">
+                        <a:extLst>
+                          <a:ext uri="{FF2B5EF4-FFF2-40B4-BE49-F238E27FC236}">
+                            <a16:creationId xmlns:a16="http://schemas.microsoft.com/office/drawing/2014/main" id="{70D8A01E-7B1A-4CF0-8BB6-337FFA097041}"/>
+                          </a:ext>
+                        </a:extLst>
+                      </p:cNvPr>
                       <p:cNvPicPr/>
                       <p:nvPr/>
                     </p:nvPicPr>
                     <p:blipFill>
-                      <a:blip r:embed="rId4"/>
+                      <a:blip r:embed="rId3"/>
                       <a:stretch>
                         <a:fillRect/>
                       </a:stretch>
